--- a/ModelloFunzionale/CRASOmichela.pptx
+++ b/ModelloFunzionale/CRASOmichela.pptx
@@ -7,6 +7,7 @@
   <p:sldIdLst>
     <p:sldId id="256" r:id="rId2"/>
     <p:sldId id="257" r:id="rId3"/>
+    <p:sldId id="258" r:id="rId4"/>
   </p:sldIdLst>
   <p:sldSz cx="12192000" cy="6858000"/>
   <p:notesSz cx="6858000" cy="9144000"/>
@@ -105,7 +106,16 @@
       </a:defRPr>
     </a:lvl9pPr>
   </p:defaultTextStyle>
+  <p:extLst>
+    <p:ext uri="{EFAFB233-063F-42B5-8137-9DF3F51BA10A}">
+      <p15:sldGuideLst xmlns:p15="http://schemas.microsoft.com/office/powerpoint/2012/main"/>
+    </p:ext>
+  </p:extLst>
 </p:presentation>
+</file>
+
+<file path=ppt/revisionInfo.xml><?xml version="1.0" encoding="utf-8"?>
+<p1510:revInfo xmlns:a="http://schemas.openxmlformats.org/drawingml/2006/main" xmlns:r="http://schemas.openxmlformats.org/officeDocument/2006/relationships" xmlns:p1510="http://schemas.microsoft.com/office/powerpoint/2015/10/main"/>
 </file>
 
 <file path=ppt/slideLayouts/slideLayout1.xml><?xml version="1.0" encoding="utf-8"?>
@@ -255,7 +265,7 @@
           <a:p>
             <a:fld id="{006AE591-7AF1-4836-9865-9212CC5C3472}" type="datetimeFigureOut">
               <a:rPr lang="it-IT" smtClean="0"/>
-              <a:t>20/01/2018</a:t>
+              <a:t>21/01/2018</a:t>
             </a:fld>
             <a:endParaRPr lang="it-IT"/>
           </a:p>
@@ -453,7 +463,7 @@
           <a:p>
             <a:fld id="{006AE591-7AF1-4836-9865-9212CC5C3472}" type="datetimeFigureOut">
               <a:rPr lang="it-IT" smtClean="0"/>
-              <a:t>20/01/2018</a:t>
+              <a:t>21/01/2018</a:t>
             </a:fld>
             <a:endParaRPr lang="it-IT"/>
           </a:p>
@@ -661,7 +671,7 @@
           <a:p>
             <a:fld id="{006AE591-7AF1-4836-9865-9212CC5C3472}" type="datetimeFigureOut">
               <a:rPr lang="it-IT" smtClean="0"/>
-              <a:t>20/01/2018</a:t>
+              <a:t>21/01/2018</a:t>
             </a:fld>
             <a:endParaRPr lang="it-IT"/>
           </a:p>
@@ -859,7 +869,7 @@
           <a:p>
             <a:fld id="{006AE591-7AF1-4836-9865-9212CC5C3472}" type="datetimeFigureOut">
               <a:rPr lang="it-IT" smtClean="0"/>
-              <a:t>20/01/2018</a:t>
+              <a:t>21/01/2018</a:t>
             </a:fld>
             <a:endParaRPr lang="it-IT"/>
           </a:p>
@@ -1134,7 +1144,7 @@
           <a:p>
             <a:fld id="{006AE591-7AF1-4836-9865-9212CC5C3472}" type="datetimeFigureOut">
               <a:rPr lang="it-IT" smtClean="0"/>
-              <a:t>20/01/2018</a:t>
+              <a:t>21/01/2018</a:t>
             </a:fld>
             <a:endParaRPr lang="it-IT"/>
           </a:p>
@@ -1399,7 +1409,7 @@
           <a:p>
             <a:fld id="{006AE591-7AF1-4836-9865-9212CC5C3472}" type="datetimeFigureOut">
               <a:rPr lang="it-IT" smtClean="0"/>
-              <a:t>20/01/2018</a:t>
+              <a:t>21/01/2018</a:t>
             </a:fld>
             <a:endParaRPr lang="it-IT"/>
           </a:p>
@@ -1811,7 +1821,7 @@
           <a:p>
             <a:fld id="{006AE591-7AF1-4836-9865-9212CC5C3472}" type="datetimeFigureOut">
               <a:rPr lang="it-IT" smtClean="0"/>
-              <a:t>20/01/2018</a:t>
+              <a:t>21/01/2018</a:t>
             </a:fld>
             <a:endParaRPr lang="it-IT"/>
           </a:p>
@@ -1952,7 +1962,7 @@
           <a:p>
             <a:fld id="{006AE591-7AF1-4836-9865-9212CC5C3472}" type="datetimeFigureOut">
               <a:rPr lang="it-IT" smtClean="0"/>
-              <a:t>20/01/2018</a:t>
+              <a:t>21/01/2018</a:t>
             </a:fld>
             <a:endParaRPr lang="it-IT"/>
           </a:p>
@@ -2065,7 +2075,7 @@
           <a:p>
             <a:fld id="{006AE591-7AF1-4836-9865-9212CC5C3472}" type="datetimeFigureOut">
               <a:rPr lang="it-IT" smtClean="0"/>
-              <a:t>20/01/2018</a:t>
+              <a:t>21/01/2018</a:t>
             </a:fld>
             <a:endParaRPr lang="it-IT"/>
           </a:p>
@@ -2376,7 +2386,7 @@
           <a:p>
             <a:fld id="{006AE591-7AF1-4836-9865-9212CC5C3472}" type="datetimeFigureOut">
               <a:rPr lang="it-IT" smtClean="0"/>
-              <a:t>20/01/2018</a:t>
+              <a:t>21/01/2018</a:t>
             </a:fld>
             <a:endParaRPr lang="it-IT"/>
           </a:p>
@@ -2664,7 +2674,7 @@
           <a:p>
             <a:fld id="{006AE591-7AF1-4836-9865-9212CC5C3472}" type="datetimeFigureOut">
               <a:rPr lang="it-IT" smtClean="0"/>
-              <a:t>20/01/2018</a:t>
+              <a:t>21/01/2018</a:t>
             </a:fld>
             <a:endParaRPr lang="it-IT"/>
           </a:p>
@@ -2905,7 +2915,7 @@
           <a:p>
             <a:fld id="{006AE591-7AF1-4836-9865-9212CC5C3472}" type="datetimeFigureOut">
               <a:rPr lang="it-IT" smtClean="0"/>
-              <a:t>20/01/2018</a:t>
+              <a:t>21/01/2018</a:t>
             </a:fld>
             <a:endParaRPr lang="it-IT"/>
           </a:p>
@@ -3380,8 +3390,8 @@
         </p:nvSpPr>
         <p:spPr>
           <a:xfrm>
-            <a:off x="119270" y="132522"/>
-            <a:ext cx="2676939" cy="369332"/>
+            <a:off x="-73865" y="-49152"/>
+            <a:ext cx="2676939" cy="246221"/>
           </a:xfrm>
           <a:prstGeom prst="rect">
             <a:avLst/>
@@ -3395,10 +3405,10 @@
           <a:lstStyle/>
           <a:p>
             <a:r>
-              <a:rPr lang="it-IT" dirty="0" err="1"/>
+              <a:rPr lang="it-IT" sz="1000" dirty="0" err="1"/>
               <a:t>ServizioStampa_CRASO</a:t>
             </a:r>
-            <a:endParaRPr lang="it-IT" dirty="0"/>
+            <a:endParaRPr lang="it-IT" sz="1000" dirty="0"/>
           </a:p>
         </p:txBody>
       </p:sp>
@@ -4909,8 +4919,8 @@
         </p:nvSpPr>
         <p:spPr>
           <a:xfrm>
-            <a:off x="119270" y="132522"/>
-            <a:ext cx="2676939" cy="369332"/>
+            <a:off x="22116" y="-39522"/>
+            <a:ext cx="2676939" cy="246221"/>
           </a:xfrm>
           <a:prstGeom prst="rect">
             <a:avLst/>
@@ -4924,10 +4934,10 @@
           <a:lstStyle/>
           <a:p>
             <a:r>
-              <a:rPr lang="it-IT" dirty="0" err="1"/>
+              <a:rPr lang="it-IT" sz="1000" dirty="0" err="1"/>
               <a:t>VenditaProdotto_CRASO</a:t>
             </a:r>
-            <a:endParaRPr lang="it-IT" dirty="0"/>
+            <a:endParaRPr lang="it-IT" sz="1000" dirty="0"/>
           </a:p>
         </p:txBody>
       </p:sp>
@@ -6623,6 +6633,766 @@
     <p:extLst>
       <p:ext uri="{BB962C8B-B14F-4D97-AF65-F5344CB8AC3E}">
         <p14:creationId xmlns:p14="http://schemas.microsoft.com/office/powerpoint/2010/main" val="451603389"/>
+      </p:ext>
+    </p:extLst>
+  </p:cSld>
+  <p:clrMapOvr>
+    <a:masterClrMapping/>
+  </p:clrMapOvr>
+</p:sld>
+</file>
+
+<file path=ppt/slides/slide3.xml><?xml version="1.0" encoding="utf-8"?>
+<p:sld xmlns:a="http://schemas.openxmlformats.org/drawingml/2006/main" xmlns:r="http://schemas.openxmlformats.org/officeDocument/2006/relationships" xmlns:p="http://schemas.openxmlformats.org/presentationml/2006/main">
+  <p:cSld>
+    <p:spTree>
+      <p:nvGrpSpPr>
+        <p:cNvPr id="1" name=""/>
+        <p:cNvGrpSpPr/>
+        <p:nvPr/>
+      </p:nvGrpSpPr>
+      <p:grpSpPr>
+        <a:xfrm>
+          <a:off x="0" y="0"/>
+          <a:ext cx="0" cy="0"/>
+          <a:chOff x="0" y="0"/>
+          <a:chExt cx="0" cy="0"/>
+        </a:xfrm>
+      </p:grpSpPr>
+      <p:graphicFrame>
+        <p:nvGraphicFramePr>
+          <p:cNvPr id="2" name="Tabella 1">
+            <a:extLst>
+              <a:ext uri="{FF2B5EF4-FFF2-40B4-BE49-F238E27FC236}">
+                <a16:creationId xmlns:a16="http://schemas.microsoft.com/office/drawing/2014/main" id="{2890B506-19F2-420B-BAAB-967B2535814E}"/>
+              </a:ext>
+            </a:extLst>
+          </p:cNvPr>
+          <p:cNvGraphicFramePr>
+            <a:graphicFrameLocks noGrp="1"/>
+          </p:cNvGraphicFramePr>
+          <p:nvPr>
+            <p:extLst>
+              <p:ext uri="{D42A27DB-BD31-4B8C-83A1-F6EECF244321}">
+                <p14:modId xmlns:p14="http://schemas.microsoft.com/office/powerpoint/2010/main" val="1234640558"/>
+              </p:ext>
+            </p:extLst>
+          </p:nvPr>
+        </p:nvGraphicFramePr>
+        <p:xfrm>
+          <a:off x="136936" y="202831"/>
+          <a:ext cx="11021394" cy="2825990"/>
+        </p:xfrm>
+        <a:graphic>
+          <a:graphicData uri="http://schemas.openxmlformats.org/drawingml/2006/table">
+            <a:tbl>
+              <a:tblPr firstRow="1" bandRow="1">
+                <a:tableStyleId>{5C22544A-7EE6-4342-B048-85BDC9FD1C3A}</a:tableStyleId>
+              </a:tblPr>
+              <a:tblGrid>
+                <a:gridCol w="1836899">
+                  <a:extLst>
+                    <a:ext uri="{9D8B030D-6E8A-4147-A177-3AD203B41FA5}">
+                      <a16:colId xmlns:a16="http://schemas.microsoft.com/office/drawing/2014/main" val="1813013512"/>
+                    </a:ext>
+                  </a:extLst>
+                </a:gridCol>
+                <a:gridCol w="1034408">
+                  <a:extLst>
+                    <a:ext uri="{9D8B030D-6E8A-4147-A177-3AD203B41FA5}">
+                      <a16:colId xmlns:a16="http://schemas.microsoft.com/office/drawing/2014/main" val="305359238"/>
+                    </a:ext>
+                  </a:extLst>
+                </a:gridCol>
+                <a:gridCol w="1351722">
+                  <a:extLst>
+                    <a:ext uri="{9D8B030D-6E8A-4147-A177-3AD203B41FA5}">
+                      <a16:colId xmlns:a16="http://schemas.microsoft.com/office/drawing/2014/main" val="1915770501"/>
+                    </a:ext>
+                  </a:extLst>
+                </a:gridCol>
+                <a:gridCol w="2902226">
+                  <a:extLst>
+                    <a:ext uri="{9D8B030D-6E8A-4147-A177-3AD203B41FA5}">
+                      <a16:colId xmlns:a16="http://schemas.microsoft.com/office/drawing/2014/main" val="3232729171"/>
+                    </a:ext>
+                  </a:extLst>
+                </a:gridCol>
+                <a:gridCol w="2059240">
+                  <a:extLst>
+                    <a:ext uri="{9D8B030D-6E8A-4147-A177-3AD203B41FA5}">
+                      <a16:colId xmlns:a16="http://schemas.microsoft.com/office/drawing/2014/main" val="564540701"/>
+                    </a:ext>
+                  </a:extLst>
+                </a:gridCol>
+                <a:gridCol w="1836899">
+                  <a:extLst>
+                    <a:ext uri="{9D8B030D-6E8A-4147-A177-3AD203B41FA5}">
+                      <a16:colId xmlns:a16="http://schemas.microsoft.com/office/drawing/2014/main" val="2122555602"/>
+                    </a:ext>
+                  </a:extLst>
+                </a:gridCol>
+              </a:tblGrid>
+              <a:tr h="600950">
+                <a:tc>
+                  <a:txBody>
+                    <a:bodyPr/>
+                    <a:lstStyle/>
+                    <a:p>
+                      <a:r>
+                        <a:rPr lang="it-IT" sz="1600" dirty="0"/>
+                        <a:t>Processo</a:t>
+                      </a:r>
+                    </a:p>
+                  </a:txBody>
+                  <a:tcPr/>
+                </a:tc>
+                <a:tc>
+                  <a:txBody>
+                    <a:bodyPr/>
+                    <a:lstStyle/>
+                    <a:p>
+                      <a:r>
+                        <a:rPr lang="it-IT" sz="1600" dirty="0" err="1"/>
+                        <a:t>Customer</a:t>
+                      </a:r>
+                      <a:endParaRPr lang="it-IT" sz="1600" dirty="0"/>
+                    </a:p>
+                  </a:txBody>
+                  <a:tcPr/>
+                </a:tc>
+                <a:tc>
+                  <a:txBody>
+                    <a:bodyPr/>
+                    <a:lstStyle/>
+                    <a:p>
+                      <a:r>
+                        <a:rPr lang="it-IT" sz="1600" dirty="0"/>
+                        <a:t>Richiesta</a:t>
+                      </a:r>
+                    </a:p>
+                  </a:txBody>
+                  <a:tcPr/>
+                </a:tc>
+                <a:tc>
+                  <a:txBody>
+                    <a:bodyPr/>
+                    <a:lstStyle/>
+                    <a:p>
+                      <a:r>
+                        <a:rPr lang="it-IT" sz="1600" dirty="0"/>
+                        <a:t>Attività</a:t>
+                      </a:r>
+                    </a:p>
+                  </a:txBody>
+                  <a:tcPr/>
+                </a:tc>
+                <a:tc>
+                  <a:txBody>
+                    <a:bodyPr/>
+                    <a:lstStyle/>
+                    <a:p>
+                      <a:r>
+                        <a:rPr lang="it-IT" sz="1600" dirty="0"/>
+                        <a:t>Organizzazioni coinvolte </a:t>
+                      </a:r>
+                    </a:p>
+                  </a:txBody>
+                  <a:tcPr/>
+                </a:tc>
+                <a:tc>
+                  <a:txBody>
+                    <a:bodyPr/>
+                    <a:lstStyle/>
+                    <a:p>
+                      <a:r>
+                        <a:rPr lang="it-IT" dirty="0"/>
+                        <a:t>Output</a:t>
+                      </a:r>
+                    </a:p>
+                  </a:txBody>
+                  <a:tcPr/>
+                </a:tc>
+                <a:extLst>
+                  <a:ext uri="{0D108BD9-81ED-4DB2-BD59-A6C34878D82A}">
+                    <a16:rowId xmlns:a16="http://schemas.microsoft.com/office/drawing/2014/main" val="1648484098"/>
+                  </a:ext>
+                </a:extLst>
+              </a:tr>
+              <a:tr h="600950">
+                <a:tc>
+                  <a:txBody>
+                    <a:bodyPr/>
+                    <a:lstStyle/>
+                    <a:p>
+                      <a:r>
+                        <a:rPr lang="it-IT" sz="1400" dirty="0"/>
+                        <a:t>Vendita prodotto.</a:t>
+                      </a:r>
+                    </a:p>
+                  </a:txBody>
+                  <a:tcPr/>
+                </a:tc>
+                <a:tc>
+                  <a:txBody>
+                    <a:bodyPr/>
+                    <a:lstStyle/>
+                    <a:p>
+                      <a:r>
+                        <a:rPr lang="it-IT" sz="1400" dirty="0"/>
+                        <a:t>Cliente</a:t>
+                      </a:r>
+                    </a:p>
+                  </a:txBody>
+                  <a:tcPr/>
+                </a:tc>
+                <a:tc>
+                  <a:txBody>
+                    <a:bodyPr/>
+                    <a:lstStyle/>
+                    <a:p>
+                      <a:r>
+                        <a:rPr lang="it-IT" sz="1400" dirty="0"/>
+                        <a:t>Acquisto di un prodotto dal catalogo con relativa stampa. </a:t>
+                      </a:r>
+                    </a:p>
+                  </a:txBody>
+                  <a:tcPr/>
+                </a:tc>
+                <a:tc>
+                  <a:txBody>
+                    <a:bodyPr/>
+                    <a:lstStyle/>
+                    <a:p>
+                      <a:pPr marL="285750" indent="-285750">
+                        <a:buFont typeface="Arial" panose="020B0604020202020204" pitchFamily="34" charset="0"/>
+                        <a:buChar char="•"/>
+                      </a:pPr>
+                      <a:r>
+                        <a:rPr lang="it-IT" sz="1400" dirty="0"/>
+                        <a:t>Presentazione del catalogo</a:t>
+                      </a:r>
+                    </a:p>
+                    <a:p>
+                      <a:pPr marL="285750" indent="-285750">
+                        <a:buFont typeface="Arial" panose="020B0604020202020204" pitchFamily="34" charset="0"/>
+                        <a:buChar char="•"/>
+                      </a:pPr>
+                      <a:r>
+                        <a:rPr lang="it-IT" sz="1400" dirty="0"/>
+                        <a:t>Richiesta grafica, modalità di consegna, priorità</a:t>
+                      </a:r>
+                    </a:p>
+                    <a:p>
+                      <a:pPr marL="285750" indent="-285750">
+                        <a:buFont typeface="Arial" panose="020B0604020202020204" pitchFamily="34" charset="0"/>
+                        <a:buChar char="•"/>
+                      </a:pPr>
+                      <a:r>
+                        <a:rPr lang="it-IT" sz="1400" dirty="0"/>
+                        <a:t>Calcolo preventivo</a:t>
+                      </a:r>
+                    </a:p>
+                    <a:p>
+                      <a:pPr marL="285750" indent="-285750">
+                        <a:buFont typeface="Arial" panose="020B0604020202020204" pitchFamily="34" charset="0"/>
+                        <a:buChar char="•"/>
+                      </a:pPr>
+                      <a:r>
+                        <a:rPr lang="it-IT" sz="1400" dirty="0"/>
+                        <a:t>Ricevi acconto</a:t>
+                      </a:r>
+                    </a:p>
+                    <a:p>
+                      <a:pPr marL="285750" indent="-285750">
+                        <a:buFont typeface="Arial" panose="020B0604020202020204" pitchFamily="34" charset="0"/>
+                        <a:buChar char="•"/>
+                      </a:pPr>
+                      <a:r>
+                        <a:rPr lang="it-IT" sz="1400" dirty="0"/>
+                        <a:t>Inserimento nuovo ordine</a:t>
+                      </a:r>
+                    </a:p>
+                    <a:p>
+                      <a:pPr marL="285750" indent="-285750">
+                        <a:buFont typeface="Arial" panose="020B0604020202020204" pitchFamily="34" charset="0"/>
+                        <a:buChar char="•"/>
+                      </a:pPr>
+                      <a:r>
+                        <a:rPr lang="it-IT" sz="1400" dirty="0"/>
+                        <a:t>Verifica disponibilità</a:t>
+                      </a:r>
+                    </a:p>
+                    <a:p>
+                      <a:pPr marL="285750" indent="-285750">
+                        <a:buFont typeface="Arial" panose="020B0604020202020204" pitchFamily="34" charset="0"/>
+                        <a:buChar char="•"/>
+                      </a:pPr>
+                      <a:r>
+                        <a:rPr lang="it-IT" sz="1400" dirty="0"/>
+                        <a:t>Effettua ordine</a:t>
+                      </a:r>
+                    </a:p>
+                    <a:p>
+                      <a:pPr marL="285750" indent="-285750">
+                        <a:buFont typeface="Arial" panose="020B0604020202020204" pitchFamily="34" charset="0"/>
+                        <a:buChar char="•"/>
+                      </a:pPr>
+                      <a:r>
+                        <a:rPr lang="it-IT" sz="1400" dirty="0"/>
+                        <a:t>Lavorazione prodotto</a:t>
+                      </a:r>
+                    </a:p>
+                    <a:p>
+                      <a:pPr marL="285750" indent="-285750">
+                        <a:buFont typeface="Arial" panose="020B0604020202020204" pitchFamily="34" charset="0"/>
+                        <a:buChar char="•"/>
+                      </a:pPr>
+                      <a:r>
+                        <a:rPr lang="it-IT" sz="1400" dirty="0"/>
+                        <a:t>Consegna merce</a:t>
+                      </a:r>
+                    </a:p>
+                  </a:txBody>
+                  <a:tcPr/>
+                </a:tc>
+                <a:tc>
+                  <a:txBody>
+                    <a:bodyPr/>
+                    <a:lstStyle/>
+                    <a:p>
+                      <a:pPr marL="285750" indent="-285750">
+                        <a:buFont typeface="Arial" panose="020B0604020202020204" pitchFamily="34" charset="0"/>
+                        <a:buChar char="•"/>
+                      </a:pPr>
+                      <a:r>
+                        <a:rPr lang="it-IT" sz="1600" dirty="0"/>
+                        <a:t>Amministrazione</a:t>
+                      </a:r>
+                    </a:p>
+                    <a:p>
+                      <a:pPr marL="285750" indent="-285750">
+                        <a:buFont typeface="Arial" panose="020B0604020202020204" pitchFamily="34" charset="0"/>
+                        <a:buChar char="•"/>
+                      </a:pPr>
+                      <a:r>
+                        <a:rPr lang="it-IT" sz="1600" dirty="0"/>
+                        <a:t>Logistica in ingresso</a:t>
+                      </a:r>
+                    </a:p>
+                    <a:p>
+                      <a:pPr marL="285750" indent="-285750">
+                        <a:buFont typeface="Arial" panose="020B0604020202020204" pitchFamily="34" charset="0"/>
+                        <a:buChar char="•"/>
+                      </a:pPr>
+                      <a:r>
+                        <a:rPr lang="it-IT" sz="1600" dirty="0"/>
+                        <a:t>Operaio</a:t>
+                      </a:r>
+                    </a:p>
+                    <a:p>
+                      <a:pPr marL="285750" indent="-285750">
+                        <a:buFont typeface="Arial" panose="020B0604020202020204" pitchFamily="34" charset="0"/>
+                        <a:buChar char="•"/>
+                      </a:pPr>
+                      <a:r>
+                        <a:rPr lang="it-IT" sz="1600" dirty="0"/>
+                        <a:t>Logistica in uscita</a:t>
+                      </a:r>
+                    </a:p>
+                  </a:txBody>
+                  <a:tcPr/>
+                </a:tc>
+                <a:tc>
+                  <a:txBody>
+                    <a:bodyPr/>
+                    <a:lstStyle/>
+                    <a:p>
+                      <a:r>
+                        <a:rPr lang="it-IT" sz="1600" dirty="0"/>
+                        <a:t>Prodotto finito</a:t>
+                      </a:r>
+                    </a:p>
+                  </a:txBody>
+                  <a:tcPr/>
+                </a:tc>
+                <a:extLst>
+                  <a:ext uri="{0D108BD9-81ED-4DB2-BD59-A6C34878D82A}">
+                    <a16:rowId xmlns:a16="http://schemas.microsoft.com/office/drawing/2014/main" val="1441035700"/>
+                  </a:ext>
+                </a:extLst>
+              </a:tr>
+            </a:tbl>
+          </a:graphicData>
+        </a:graphic>
+      </p:graphicFrame>
+      <p:graphicFrame>
+        <p:nvGraphicFramePr>
+          <p:cNvPr id="4" name="Tabella 3">
+            <a:extLst>
+              <a:ext uri="{FF2B5EF4-FFF2-40B4-BE49-F238E27FC236}">
+                <a16:creationId xmlns:a16="http://schemas.microsoft.com/office/drawing/2014/main" id="{64326816-57C8-4E82-8775-E92B04ABDC7B}"/>
+              </a:ext>
+            </a:extLst>
+          </p:cNvPr>
+          <p:cNvGraphicFramePr>
+            <a:graphicFrameLocks noGrp="1"/>
+          </p:cNvGraphicFramePr>
+          <p:nvPr>
+            <p:extLst>
+              <p:ext uri="{D42A27DB-BD31-4B8C-83A1-F6EECF244321}">
+                <p14:modId xmlns:p14="http://schemas.microsoft.com/office/powerpoint/2010/main" val="863398916"/>
+              </p:ext>
+            </p:extLst>
+          </p:nvPr>
+        </p:nvGraphicFramePr>
+        <p:xfrm>
+          <a:off x="136935" y="3211074"/>
+          <a:ext cx="11021392" cy="2772982"/>
+        </p:xfrm>
+        <a:graphic>
+          <a:graphicData uri="http://schemas.openxmlformats.org/drawingml/2006/table">
+            <a:tbl>
+              <a:tblPr firstRow="1" bandRow="1">
+                <a:tableStyleId>{5C22544A-7EE6-4342-B048-85BDC9FD1C3A}</a:tableStyleId>
+              </a:tblPr>
+              <a:tblGrid>
+                <a:gridCol w="1758126">
+                  <a:extLst>
+                    <a:ext uri="{9D8B030D-6E8A-4147-A177-3AD203B41FA5}">
+                      <a16:colId xmlns:a16="http://schemas.microsoft.com/office/drawing/2014/main" val="1759736222"/>
+                    </a:ext>
+                  </a:extLst>
+                </a:gridCol>
+                <a:gridCol w="1033669">
+                  <a:extLst>
+                    <a:ext uri="{9D8B030D-6E8A-4147-A177-3AD203B41FA5}">
+                      <a16:colId xmlns:a16="http://schemas.microsoft.com/office/drawing/2014/main" val="3571286736"/>
+                    </a:ext>
+                  </a:extLst>
+                </a:gridCol>
+                <a:gridCol w="1444487">
+                  <a:extLst>
+                    <a:ext uri="{9D8B030D-6E8A-4147-A177-3AD203B41FA5}">
+                      <a16:colId xmlns:a16="http://schemas.microsoft.com/office/drawing/2014/main" val="3559189831"/>
+                    </a:ext>
+                  </a:extLst>
+                </a:gridCol>
+                <a:gridCol w="3112976">
+                  <a:extLst>
+                    <a:ext uri="{9D8B030D-6E8A-4147-A177-3AD203B41FA5}">
+                      <a16:colId xmlns:a16="http://schemas.microsoft.com/office/drawing/2014/main" val="4267774361"/>
+                    </a:ext>
+                  </a:extLst>
+                </a:gridCol>
+                <a:gridCol w="1836067">
+                  <a:extLst>
+                    <a:ext uri="{9D8B030D-6E8A-4147-A177-3AD203B41FA5}">
+                      <a16:colId xmlns:a16="http://schemas.microsoft.com/office/drawing/2014/main" val="1231433938"/>
+                    </a:ext>
+                  </a:extLst>
+                </a:gridCol>
+                <a:gridCol w="1836067">
+                  <a:extLst>
+                    <a:ext uri="{9D8B030D-6E8A-4147-A177-3AD203B41FA5}">
+                      <a16:colId xmlns:a16="http://schemas.microsoft.com/office/drawing/2014/main" val="383859962"/>
+                    </a:ext>
+                  </a:extLst>
+                </a:gridCol>
+              </a:tblGrid>
+              <a:tr h="547942">
+                <a:tc>
+                  <a:txBody>
+                    <a:bodyPr/>
+                    <a:lstStyle/>
+                    <a:p>
+                      <a:r>
+                        <a:rPr lang="it-IT" sz="1400" dirty="0"/>
+                        <a:t>Processo</a:t>
+                      </a:r>
+                    </a:p>
+                  </a:txBody>
+                  <a:tcPr/>
+                </a:tc>
+                <a:tc>
+                  <a:txBody>
+                    <a:bodyPr/>
+                    <a:lstStyle/>
+                    <a:p>
+                      <a:r>
+                        <a:rPr lang="it-IT" sz="1400" dirty="0" err="1"/>
+                        <a:t>Customer</a:t>
+                      </a:r>
+                      <a:endParaRPr lang="it-IT" sz="1400" dirty="0"/>
+                    </a:p>
+                  </a:txBody>
+                  <a:tcPr/>
+                </a:tc>
+                <a:tc>
+                  <a:txBody>
+                    <a:bodyPr/>
+                    <a:lstStyle/>
+                    <a:p>
+                      <a:r>
+                        <a:rPr lang="it-IT" sz="1400" dirty="0"/>
+                        <a:t>Richiesta</a:t>
+                      </a:r>
+                    </a:p>
+                  </a:txBody>
+                  <a:tcPr/>
+                </a:tc>
+                <a:tc>
+                  <a:txBody>
+                    <a:bodyPr/>
+                    <a:lstStyle/>
+                    <a:p>
+                      <a:r>
+                        <a:rPr lang="it-IT" sz="1400" dirty="0"/>
+                        <a:t>Attività</a:t>
+                      </a:r>
+                    </a:p>
+                  </a:txBody>
+                  <a:tcPr/>
+                </a:tc>
+                <a:tc>
+                  <a:txBody>
+                    <a:bodyPr/>
+                    <a:lstStyle/>
+                    <a:p>
+                      <a:r>
+                        <a:rPr lang="it-IT" sz="1400" dirty="0"/>
+                        <a:t>Organizzazioni coinvolte</a:t>
+                      </a:r>
+                    </a:p>
+                  </a:txBody>
+                  <a:tcPr/>
+                </a:tc>
+                <a:tc>
+                  <a:txBody>
+                    <a:bodyPr/>
+                    <a:lstStyle/>
+                    <a:p>
+                      <a:r>
+                        <a:rPr lang="it-IT" sz="1400" dirty="0"/>
+                        <a:t>Output</a:t>
+                      </a:r>
+                    </a:p>
+                  </a:txBody>
+                  <a:tcPr/>
+                </a:tc>
+                <a:extLst>
+                  <a:ext uri="{0D108BD9-81ED-4DB2-BD59-A6C34878D82A}">
+                    <a16:rowId xmlns:a16="http://schemas.microsoft.com/office/drawing/2014/main" val="419353019"/>
+                  </a:ext>
+                </a:extLst>
+              </a:tr>
+              <a:tr h="547942">
+                <a:tc>
+                  <a:txBody>
+                    <a:bodyPr/>
+                    <a:lstStyle/>
+                    <a:p>
+                      <a:r>
+                        <a:rPr lang="it-IT" sz="1400" dirty="0"/>
+                        <a:t>Stampa su un prodotto</a:t>
+                      </a:r>
+                    </a:p>
+                  </a:txBody>
+                  <a:tcPr/>
+                </a:tc>
+                <a:tc>
+                  <a:txBody>
+                    <a:bodyPr/>
+                    <a:lstStyle/>
+                    <a:p>
+                      <a:r>
+                        <a:rPr lang="it-IT" sz="1400" dirty="0"/>
+                        <a:t>Cliente</a:t>
+                      </a:r>
+                    </a:p>
+                  </a:txBody>
+                  <a:tcPr/>
+                </a:tc>
+                <a:tc>
+                  <a:txBody>
+                    <a:bodyPr/>
+                    <a:lstStyle/>
+                    <a:p>
+                      <a:r>
+                        <a:rPr lang="it-IT" sz="1400" dirty="0"/>
+                        <a:t>Stampa su un prodotto procurato dall’utente</a:t>
+                      </a:r>
+                    </a:p>
+                  </a:txBody>
+                  <a:tcPr/>
+                </a:tc>
+                <a:tc>
+                  <a:txBody>
+                    <a:bodyPr/>
+                    <a:lstStyle/>
+                    <a:p>
+                      <a:pPr marL="285750" indent="-285750">
+                        <a:buFont typeface="Arial" panose="020B0604020202020204" pitchFamily="34" charset="0"/>
+                        <a:buChar char="•"/>
+                      </a:pPr>
+                      <a:r>
+                        <a:rPr lang="it-IT" sz="1400" dirty="0"/>
+                        <a:t>Richiesta della tipologia di prodotto, modalità di consegna, priorità</a:t>
+                      </a:r>
+                    </a:p>
+                    <a:p>
+                      <a:pPr marL="285750" indent="-285750">
+                        <a:buFont typeface="Arial" panose="020B0604020202020204" pitchFamily="34" charset="0"/>
+                        <a:buChar char="•"/>
+                      </a:pPr>
+                      <a:r>
+                        <a:rPr lang="it-IT" sz="1400" dirty="0"/>
+                        <a:t>Richiesta della grafica e analisi di fattibilità</a:t>
+                      </a:r>
+                    </a:p>
+                    <a:p>
+                      <a:pPr marL="285750" indent="-285750">
+                        <a:buFont typeface="Arial" panose="020B0604020202020204" pitchFamily="34" charset="0"/>
+                        <a:buChar char="•"/>
+                      </a:pPr>
+                      <a:r>
+                        <a:rPr lang="it-IT" sz="1400" dirty="0"/>
+                        <a:t>Calcolo preventivo</a:t>
+                      </a:r>
+                    </a:p>
+                    <a:p>
+                      <a:pPr marL="285750" indent="-285750">
+                        <a:buFont typeface="Arial" panose="020B0604020202020204" pitchFamily="34" charset="0"/>
+                        <a:buChar char="•"/>
+                      </a:pPr>
+                      <a:r>
+                        <a:rPr lang="it-IT" sz="1400" dirty="0"/>
+                        <a:t>Ricevi acconto</a:t>
+                      </a:r>
+                    </a:p>
+                    <a:p>
+                      <a:pPr marL="285750" indent="-285750">
+                        <a:buFont typeface="Arial" panose="020B0604020202020204" pitchFamily="34" charset="0"/>
+                        <a:buChar char="•"/>
+                      </a:pPr>
+                      <a:r>
+                        <a:rPr lang="it-IT" sz="1400" dirty="0"/>
+                        <a:t>Inserimento nuovo ordine</a:t>
+                      </a:r>
+                    </a:p>
+                    <a:p>
+                      <a:pPr marL="285750" indent="-285750">
+                        <a:buFont typeface="Arial" panose="020B0604020202020204" pitchFamily="34" charset="0"/>
+                        <a:buChar char="•"/>
+                      </a:pPr>
+                      <a:r>
+                        <a:rPr lang="it-IT" sz="1400" dirty="0"/>
+                        <a:t>Lavorazione prodotto</a:t>
+                      </a:r>
+                    </a:p>
+                    <a:p>
+                      <a:pPr marL="285750" indent="-285750">
+                        <a:buFont typeface="Arial" panose="020B0604020202020204" pitchFamily="34" charset="0"/>
+                        <a:buChar char="•"/>
+                      </a:pPr>
+                      <a:r>
+                        <a:rPr lang="it-IT" sz="1400" dirty="0"/>
+                        <a:t>Consegna merce</a:t>
+                      </a:r>
+                    </a:p>
+                    <a:p>
+                      <a:endParaRPr lang="it-IT" sz="1400" dirty="0"/>
+                    </a:p>
+                  </a:txBody>
+                  <a:tcPr/>
+                </a:tc>
+                <a:tc>
+                  <a:txBody>
+                    <a:bodyPr/>
+                    <a:lstStyle/>
+                    <a:p>
+                      <a:pPr marL="285750" indent="-285750">
+                        <a:buFont typeface="Arial" panose="020B0604020202020204" pitchFamily="34" charset="0"/>
+                        <a:buChar char="•"/>
+                      </a:pPr>
+                      <a:r>
+                        <a:rPr lang="it-IT" sz="1400" dirty="0"/>
+                        <a:t>Amministrazione</a:t>
+                      </a:r>
+                    </a:p>
+                    <a:p>
+                      <a:pPr marL="285750" indent="-285750">
+                        <a:buFont typeface="Arial" panose="020B0604020202020204" pitchFamily="34" charset="0"/>
+                        <a:buChar char="•"/>
+                      </a:pPr>
+                      <a:r>
+                        <a:rPr lang="it-IT" sz="1400" dirty="0"/>
+                        <a:t>Operaio</a:t>
+                      </a:r>
+                    </a:p>
+                    <a:p>
+                      <a:pPr marL="285750" indent="-285750">
+                        <a:buFont typeface="Arial" panose="020B0604020202020204" pitchFamily="34" charset="0"/>
+                        <a:buChar char="•"/>
+                      </a:pPr>
+                      <a:r>
+                        <a:rPr lang="it-IT" sz="1400" dirty="0"/>
+                        <a:t>Logistica in uscita</a:t>
+                      </a:r>
+                    </a:p>
+                    <a:p>
+                      <a:endParaRPr lang="it-IT" sz="1400" dirty="0"/>
+                    </a:p>
+                  </a:txBody>
+                  <a:tcPr/>
+                </a:tc>
+                <a:tc>
+                  <a:txBody>
+                    <a:bodyPr/>
+                    <a:lstStyle/>
+                    <a:p>
+                      <a:pPr marL="0" marR="0" lvl="0" indent="0" algn="l" defTabSz="914400" rtl="0" eaLnBrk="1" fontAlgn="auto" latinLnBrk="0" hangingPunct="1">
+                        <a:lnSpc>
+                          <a:spcPct val="100000"/>
+                        </a:lnSpc>
+                        <a:spcBef>
+                          <a:spcPts val="0"/>
+                        </a:spcBef>
+                        <a:spcAft>
+                          <a:spcPts val="0"/>
+                        </a:spcAft>
+                        <a:buClrTx/>
+                        <a:buSzTx/>
+                        <a:buFontTx/>
+                        <a:buNone/>
+                        <a:tabLst/>
+                        <a:defRPr/>
+                      </a:pPr>
+                      <a:r>
+                        <a:rPr lang="it-IT" sz="1400" dirty="0"/>
+                        <a:t>Prodotto finito</a:t>
+                      </a:r>
+                    </a:p>
+                    <a:p>
+                      <a:endParaRPr lang="it-IT" sz="1400" dirty="0"/>
+                    </a:p>
+                  </a:txBody>
+                  <a:tcPr/>
+                </a:tc>
+                <a:extLst>
+                  <a:ext uri="{0D108BD9-81ED-4DB2-BD59-A6C34878D82A}">
+                    <a16:rowId xmlns:a16="http://schemas.microsoft.com/office/drawing/2014/main" val="1268189703"/>
+                  </a:ext>
+                </a:extLst>
+              </a:tr>
+            </a:tbl>
+          </a:graphicData>
+        </a:graphic>
+      </p:graphicFrame>
+    </p:spTree>
+    <p:extLst>
+      <p:ext uri="{BB962C8B-B14F-4D97-AF65-F5344CB8AC3E}">
+        <p14:creationId xmlns:p14="http://schemas.microsoft.com/office/powerpoint/2010/main" val="237219151"/>
       </p:ext>
     </p:extLst>
   </p:cSld>
